--- a/中越詩歌/憑你意行_Nguyện theo ý Cha.pptx
+++ b/中越詩歌/憑你意行_Nguyện theo ý Cha.pptx
@@ -120,6 +120,11 @@
       </a:defRPr>
     </a:lvl9pPr>
   </p:defaultTextStyle>
+  <p:extLst>
+    <p:ext uri="{EFAFB233-063F-42B5-8137-9DF3F51BA10A}">
+      <p15:sldGuideLst xmlns:p15="http://schemas.microsoft.com/office/powerpoint/2012/main"/>
+    </p:ext>
+  </p:extLst>
 </p:presentation>
 </file>
 
@@ -304,7 +309,7 @@
           <a:p>
             <a:fld id="{69B985D6-369D-4BD6-BE84-0186947AB96A}" type="datetimeFigureOut">
               <a:rPr lang="vi-VN" smtClean="0"/>
-              <a:t>12/02/2022</a:t>
+              <a:t>04/11/2023</a:t>
             </a:fld>
             <a:endParaRPr lang="vi-VN"/>
           </a:p>
@@ -474,7 +479,7 @@
           <a:p>
             <a:fld id="{69B985D6-369D-4BD6-BE84-0186947AB96A}" type="datetimeFigureOut">
               <a:rPr lang="vi-VN" smtClean="0"/>
-              <a:t>12/02/2022</a:t>
+              <a:t>04/11/2023</a:t>
             </a:fld>
             <a:endParaRPr lang="vi-VN"/>
           </a:p>
@@ -654,7 +659,7 @@
           <a:p>
             <a:fld id="{69B985D6-369D-4BD6-BE84-0186947AB96A}" type="datetimeFigureOut">
               <a:rPr lang="vi-VN" smtClean="0"/>
-              <a:t>12/02/2022</a:t>
+              <a:t>04/11/2023</a:t>
             </a:fld>
             <a:endParaRPr lang="vi-VN"/>
           </a:p>
@@ -824,7 +829,7 @@
           <a:p>
             <a:fld id="{69B985D6-369D-4BD6-BE84-0186947AB96A}" type="datetimeFigureOut">
               <a:rPr lang="vi-VN" smtClean="0"/>
-              <a:t>12/02/2022</a:t>
+              <a:t>04/11/2023</a:t>
             </a:fld>
             <a:endParaRPr lang="vi-VN"/>
           </a:p>
@@ -1070,7 +1075,7 @@
           <a:p>
             <a:fld id="{69B985D6-369D-4BD6-BE84-0186947AB96A}" type="datetimeFigureOut">
               <a:rPr lang="vi-VN" smtClean="0"/>
-              <a:t>12/02/2022</a:t>
+              <a:t>04/11/2023</a:t>
             </a:fld>
             <a:endParaRPr lang="vi-VN"/>
           </a:p>
@@ -1358,7 +1363,7 @@
           <a:p>
             <a:fld id="{69B985D6-369D-4BD6-BE84-0186947AB96A}" type="datetimeFigureOut">
               <a:rPr lang="vi-VN" smtClean="0"/>
-              <a:t>12/02/2022</a:t>
+              <a:t>04/11/2023</a:t>
             </a:fld>
             <a:endParaRPr lang="vi-VN"/>
           </a:p>
@@ -1780,7 +1785,7 @@
           <a:p>
             <a:fld id="{69B985D6-369D-4BD6-BE84-0186947AB96A}" type="datetimeFigureOut">
               <a:rPr lang="vi-VN" smtClean="0"/>
-              <a:t>12/02/2022</a:t>
+              <a:t>04/11/2023</a:t>
             </a:fld>
             <a:endParaRPr lang="vi-VN"/>
           </a:p>
@@ -1898,7 +1903,7 @@
           <a:p>
             <a:fld id="{69B985D6-369D-4BD6-BE84-0186947AB96A}" type="datetimeFigureOut">
               <a:rPr lang="vi-VN" smtClean="0"/>
-              <a:t>12/02/2022</a:t>
+              <a:t>04/11/2023</a:t>
             </a:fld>
             <a:endParaRPr lang="vi-VN"/>
           </a:p>
@@ -1993,7 +1998,7 @@
           <a:p>
             <a:fld id="{69B985D6-369D-4BD6-BE84-0186947AB96A}" type="datetimeFigureOut">
               <a:rPr lang="vi-VN" smtClean="0"/>
-              <a:t>12/02/2022</a:t>
+              <a:t>04/11/2023</a:t>
             </a:fld>
             <a:endParaRPr lang="vi-VN"/>
           </a:p>
@@ -2270,7 +2275,7 @@
           <a:p>
             <a:fld id="{69B985D6-369D-4BD6-BE84-0186947AB96A}" type="datetimeFigureOut">
               <a:rPr lang="vi-VN" smtClean="0"/>
-              <a:t>12/02/2022</a:t>
+              <a:t>04/11/2023</a:t>
             </a:fld>
             <a:endParaRPr lang="vi-VN"/>
           </a:p>
@@ -2527,7 +2532,7 @@
           <a:p>
             <a:fld id="{69B985D6-369D-4BD6-BE84-0186947AB96A}" type="datetimeFigureOut">
               <a:rPr lang="vi-VN" smtClean="0"/>
-              <a:t>12/02/2022</a:t>
+              <a:t>04/11/2023</a:t>
             </a:fld>
             <a:endParaRPr lang="vi-VN"/>
           </a:p>
@@ -2745,7 +2750,7 @@
           <a:p>
             <a:fld id="{69B985D6-369D-4BD6-BE84-0186947AB96A}" type="datetimeFigureOut">
               <a:rPr lang="vi-VN" smtClean="0"/>
-              <a:t>12/02/2022</a:t>
+              <a:t>04/11/2023</a:t>
             </a:fld>
             <a:endParaRPr lang="vi-VN"/>
           </a:p>
@@ -3143,7 +3148,7 @@
           <a:lstStyle/>
           <a:p>
             <a:r>
-              <a:rPr lang="zh-TW" altLang="en-US" sz="7200" b="1" i="1" dirty="0">
+              <a:rPr lang="zh-TW" altLang="en-US" sz="7200" b="1" i="1" dirty="0" smtClean="0">
                 <a:solidFill>
                   <a:srgbClr val="000066"/>
                 </a:solidFill>
@@ -3160,7 +3165,7 @@
               <a:t>憑</a:t>
             </a:r>
             <a:r>
-              <a:rPr lang="zh-CN" altLang="en-US" sz="7200" b="1" i="1" dirty="0">
+              <a:rPr lang="zh-CN" altLang="en-US" sz="7200" b="1" i="1" dirty="0" smtClean="0">
                 <a:solidFill>
                   <a:srgbClr val="000066"/>
                 </a:solidFill>
@@ -3174,10 +3179,10 @@
                 <a:latin typeface="微軟正黑體" pitchFamily="34" charset="-120"/>
                 <a:ea typeface="微軟正黑體" pitchFamily="34" charset="-120"/>
               </a:rPr>
-              <a:t>袮</a:t>
-            </a:r>
-            <a:r>
-              <a:rPr lang="zh-TW" altLang="en-US" sz="7200" b="1" i="1" dirty="0">
+              <a:t>祢</a:t>
+            </a:r>
+            <a:r>
+              <a:rPr lang="zh-TW" altLang="en-US" sz="7200" b="1" i="1" dirty="0" smtClean="0">
                 <a:solidFill>
                   <a:srgbClr val="000066"/>
                 </a:solidFill>
@@ -3343,7 +3348,7 @@
               <a:buNone/>
             </a:pPr>
             <a:r>
-              <a:rPr lang="zh-TW" altLang="en-US" sz="6400" b="1" dirty="0">
+              <a:rPr lang="zh-TW" altLang="en-US" sz="6400" b="1" dirty="0" smtClean="0">
                 <a:solidFill>
                   <a:srgbClr val="000066"/>
                 </a:solidFill>
@@ -3353,44 +3358,74 @@
               <a:t>憑</a:t>
             </a:r>
             <a:r>
-              <a:rPr lang="zh-CN" altLang="en-US" sz="6400" b="1" dirty="0">
+              <a:rPr lang="zh-CN" altLang="en-US" sz="6400" b="1" dirty="0" smtClean="0">
                 <a:solidFill>
                   <a:srgbClr val="000066"/>
                 </a:solidFill>
                 <a:latin typeface="Microsoft JhengHei" panose="020B0604030504040204" pitchFamily="34" charset="-120"/>
                 <a:ea typeface="Microsoft JhengHei" panose="020B0604030504040204" pitchFamily="34" charset="-120"/>
               </a:rPr>
-              <a:t>袮</a:t>
-            </a:r>
-            <a:r>
-              <a:rPr lang="zh-TW" altLang="en-US" sz="6400" b="1" dirty="0">
+              <a:t>祢</a:t>
+            </a:r>
+            <a:r>
+              <a:rPr lang="zh-TW" altLang="en-US" sz="6400" b="1" dirty="0" smtClean="0">
                 <a:solidFill>
                   <a:srgbClr val="000066"/>
                 </a:solidFill>
                 <a:latin typeface="Microsoft JhengHei" panose="020B0604030504040204" pitchFamily="34" charset="-120"/>
                 <a:ea typeface="Microsoft JhengHei" panose="020B0604030504040204" pitchFamily="34" charset="-120"/>
               </a:rPr>
-              <a:t>意行  主  憑</a:t>
-            </a:r>
-            <a:r>
-              <a:rPr lang="zh-CN" altLang="en-US" sz="6400" b="1" dirty="0">
+              <a:t>意</a:t>
+            </a:r>
+            <a:r>
+              <a:rPr lang="zh-TW" altLang="en-US" sz="6400" b="1" dirty="0">
                 <a:solidFill>
                   <a:srgbClr val="000066"/>
                 </a:solidFill>
                 <a:latin typeface="Microsoft JhengHei" panose="020B0604030504040204" pitchFamily="34" charset="-120"/>
                 <a:ea typeface="Microsoft JhengHei" panose="020B0604030504040204" pitchFamily="34" charset="-120"/>
               </a:rPr>
-              <a:t>袮</a:t>
-            </a:r>
-            <a:r>
-              <a:rPr lang="zh-TW" altLang="en-US" sz="6400" b="1" dirty="0">
+              <a:t>行  主  </a:t>
+            </a:r>
+            <a:r>
+              <a:rPr lang="zh-TW" altLang="en-US" sz="6400" b="1" dirty="0" smtClean="0">
                 <a:solidFill>
                   <a:srgbClr val="000066"/>
                 </a:solidFill>
                 <a:latin typeface="Microsoft JhengHei" panose="020B0604030504040204" pitchFamily="34" charset="-120"/>
                 <a:ea typeface="Microsoft JhengHei" panose="020B0604030504040204" pitchFamily="34" charset="-120"/>
               </a:rPr>
-              <a:t>意行</a:t>
+              <a:t>憑</a:t>
+            </a:r>
+            <a:r>
+              <a:rPr lang="zh-CN" altLang="en-US" sz="6400" b="1" dirty="0" smtClean="0">
+                <a:solidFill>
+                  <a:srgbClr val="000066"/>
+                </a:solidFill>
+                <a:latin typeface="Microsoft JhengHei" panose="020B0604030504040204" pitchFamily="34" charset="-120"/>
+                <a:ea typeface="Microsoft JhengHei" panose="020B0604030504040204" pitchFamily="34" charset="-120"/>
+              </a:rPr>
+              <a:t>祢</a:t>
+            </a:r>
+            <a:r>
+              <a:rPr lang="zh-TW" altLang="en-US" sz="6400" b="1" dirty="0" smtClean="0">
+                <a:solidFill>
+                  <a:srgbClr val="000066"/>
+                </a:solidFill>
+                <a:latin typeface="Microsoft JhengHei" panose="020B0604030504040204" pitchFamily="34" charset="-120"/>
+                <a:ea typeface="Microsoft JhengHei" panose="020B0604030504040204" pitchFamily="34" charset="-120"/>
+              </a:rPr>
+              <a:t>意</a:t>
+            </a:r>
+            <a:r>
+              <a:rPr lang="zh-TW" altLang="en-US" sz="6400" b="1" dirty="0">
+                <a:solidFill>
+                  <a:srgbClr val="000066"/>
+                </a:solidFill>
+                <a:latin typeface="Microsoft JhengHei" panose="020B0604030504040204" pitchFamily="34" charset="-120"/>
+                <a:ea typeface="Microsoft JhengHei" panose="020B0604030504040204" pitchFamily="34" charset="-120"/>
+              </a:rPr>
+              <a:t>行</a:t>
             </a:r>
             <a:endParaRPr lang="en-US" altLang="zh-TW" sz="6400" b="1" dirty="0">
               <a:solidFill>
@@ -3574,31 +3609,7 @@
                 <a:ea typeface="微軟正黑體" pitchFamily="34" charset="-120"/>
                 <a:cs typeface="Calibri" panose="020F0502020204030204" pitchFamily="34" charset="0"/>
               </a:rPr>
-              <a:t>Tôi nguyện theo ý Cha, </a:t>
-            </a:r>
-            <a:r>
-              <a:rPr lang="vi-VN" altLang="zh-TW" sz="4400" b="1" dirty="0">
-                <a:solidFill>
-                  <a:srgbClr val="660033"/>
-                </a:solidFill>
-                <a:effectLst/>
-                <a:latin typeface="Calibri" panose="020F0502020204030204" pitchFamily="34" charset="0"/>
-                <a:ea typeface="微軟正黑體" pitchFamily="34" charset="-120"/>
-                <a:cs typeface="Calibri" panose="020F0502020204030204" pitchFamily="34" charset="0"/>
-              </a:rPr>
-              <a:t>vâng </a:t>
-            </a:r>
-            <a:r>
-              <a:rPr lang="vi-VN" altLang="zh-TW" sz="4400" b="1" dirty="0">
-                <a:solidFill>
-                  <a:srgbClr val="660033"/>
-                </a:solidFill>
-                <a:effectLst/>
-                <a:latin typeface="Calibri" panose="020F0502020204030204" pitchFamily="34" charset="0"/>
-                <a:ea typeface="微軟正黑體" pitchFamily="34" charset="-120"/>
-                <a:cs typeface="Calibri" panose="020F0502020204030204" pitchFamily="34" charset="0"/>
-              </a:rPr>
-              <a:t>Ngài không thôi</a:t>
+              <a:t>Tôi nguyện theo ý Cha, vâng Ngài không thôi</a:t>
             </a:r>
             <a:endParaRPr lang="en-US" sz="4400" b="1" dirty="0">
               <a:solidFill>
@@ -3621,7 +3632,7 @@
         <p:spPr>
           <a:xfrm>
             <a:off x="0" y="5253203"/>
-            <a:ext cx="12192000" cy="748988"/>
+            <a:ext cx="12192000" cy="646331"/>
           </a:xfrm>
           <a:prstGeom prst="rect">
             <a:avLst/>
@@ -3636,19 +3647,33 @@
           <a:p>
             <a:pPr algn="ctr"/>
             <a:r>
-              <a:rPr lang="en-US" sz="4267" b="1" dirty="0">
+              <a:rPr lang="en-US" sz="3600" b="1" dirty="0">
                 <a:solidFill>
                   <a:srgbClr val="000066"/>
                 </a:solidFill>
-                <a:effectLst/>
-              </a:rPr>
-              <a:t>( 3 )</a:t>
-            </a:r>
-            <a:endParaRPr lang="vi-VN" sz="4267" b="1" dirty="0">
+              </a:rPr>
+              <a:t>( </a:t>
+            </a:r>
+            <a:r>
+              <a:rPr lang="en-US" sz="3600" b="1" dirty="0">
+                <a:solidFill>
+                  <a:srgbClr val="000066"/>
+                </a:solidFill>
+              </a:rPr>
+              <a:t>3 </a:t>
+            </a:r>
+            <a:r>
+              <a:rPr lang="en-US" sz="3600" b="1" dirty="0">
+                <a:solidFill>
+                  <a:srgbClr val="000066"/>
+                </a:solidFill>
+              </a:rPr>
+              <a:t>/ 4 )</a:t>
+            </a:r>
+            <a:endParaRPr lang="vi-VN" sz="3600" b="1" dirty="0">
               <a:solidFill>
                 <a:srgbClr val="000066"/>
               </a:solidFill>
-              <a:effectLst/>
             </a:endParaRPr>
           </a:p>
         </p:txBody>
@@ -3900,55 +3925,7 @@
                 <a:ea typeface="微軟正黑體" pitchFamily="34" charset="-120"/>
                 <a:cs typeface="Calibri" panose="020F0502020204030204" pitchFamily="34" charset="0"/>
               </a:rPr>
-              <a:t>Đ</a:t>
-            </a:r>
-            <a:r>
-              <a:rPr lang="vi-VN" altLang="zh-TW" sz="4400" b="1" dirty="0">
-                <a:solidFill>
-                  <a:srgbClr val="660033"/>
-                </a:solidFill>
-                <a:effectLst/>
-                <a:latin typeface="Calibri" panose="020F0502020204030204" pitchFamily="34" charset="0"/>
-                <a:ea typeface="微軟正黑體" pitchFamily="34" charset="-120"/>
-                <a:cs typeface="Calibri" panose="020F0502020204030204" pitchFamily="34" charset="0"/>
-              </a:rPr>
-              <a:t>ương </a:t>
-            </a:r>
-            <a:r>
-              <a:rPr lang="vi-VN" altLang="zh-TW" sz="4400" b="1" dirty="0">
-                <a:solidFill>
-                  <a:srgbClr val="660033"/>
-                </a:solidFill>
-                <a:effectLst/>
-                <a:latin typeface="Calibri" panose="020F0502020204030204" pitchFamily="34" charset="0"/>
-                <a:ea typeface="微軟正黑體" pitchFamily="34" charset="-120"/>
-                <a:cs typeface="Calibri" panose="020F0502020204030204" pitchFamily="34" charset="0"/>
-              </a:rPr>
-              <a:t>bị thương mỏi mê, </a:t>
-            </a:r>
-            <a:r>
-              <a:rPr lang="vi-VN" altLang="zh-TW" sz="4400" b="1" dirty="0">
-                <a:solidFill>
-                  <a:srgbClr val="660033"/>
-                </a:solidFill>
-                <a:effectLst/>
-                <a:latin typeface="Calibri" panose="020F0502020204030204" pitchFamily="34" charset="0"/>
-                <a:ea typeface="微軟正黑體" pitchFamily="34" charset="-120"/>
-                <a:cs typeface="Calibri" panose="020F0502020204030204" pitchFamily="34" charset="0"/>
-              </a:rPr>
-              <a:t>khẩn </a:t>
-            </a:r>
-            <a:r>
-              <a:rPr lang="vi-VN" altLang="zh-TW" sz="4400" b="1" dirty="0">
-                <a:solidFill>
-                  <a:srgbClr val="660033"/>
-                </a:solidFill>
-                <a:effectLst/>
-                <a:latin typeface="Calibri" panose="020F0502020204030204" pitchFamily="34" charset="0"/>
-                <a:ea typeface="微軟正黑體" pitchFamily="34" charset="-120"/>
-                <a:cs typeface="Calibri" panose="020F0502020204030204" pitchFamily="34" charset="0"/>
-              </a:rPr>
-              <a:t>Cha dìu tôi</a:t>
+              <a:t>Đương bị thương mỏi mê, khẩn Cha dìu tôi</a:t>
             </a:r>
             <a:endParaRPr lang="en-US" sz="4400" b="1" dirty="0">
               <a:solidFill>
@@ -3971,7 +3948,7 @@
         <p:spPr>
           <a:xfrm>
             <a:off x="0" y="5253203"/>
-            <a:ext cx="12192000" cy="748988"/>
+            <a:ext cx="12192000" cy="646331"/>
           </a:xfrm>
           <a:prstGeom prst="rect">
             <a:avLst/>
@@ -3986,19 +3963,17 @@
           <a:p>
             <a:pPr algn="ctr"/>
             <a:r>
-              <a:rPr lang="en-US" sz="4267" b="1" dirty="0">
+              <a:rPr lang="en-US" sz="3600" b="1" dirty="0">
                 <a:solidFill>
                   <a:srgbClr val="000066"/>
                 </a:solidFill>
-                <a:effectLst/>
-              </a:rPr>
-              <a:t>( 3 )</a:t>
-            </a:r>
-            <a:endParaRPr lang="vi-VN" sz="4267" b="1" dirty="0">
+              </a:rPr>
+              <a:t>( 3 / 4 )</a:t>
+            </a:r>
+            <a:endParaRPr lang="vi-VN" sz="3600" b="1" dirty="0">
               <a:solidFill>
                 <a:srgbClr val="000066"/>
               </a:solidFill>
-              <a:effectLst/>
             </a:endParaRPr>
           </a:p>
         </p:txBody>
@@ -4250,31 +4225,7 @@
                 <a:ea typeface="微軟正黑體" pitchFamily="34" charset="-120"/>
                 <a:cs typeface="Calibri" panose="020F0502020204030204" pitchFamily="34" charset="0"/>
               </a:rPr>
-              <a:t>Bao quyền năng dưới trên </a:t>
-            </a:r>
-            <a:r>
-              <a:rPr lang="vi-VN" altLang="zh-TW" sz="4400" b="1" dirty="0">
-                <a:solidFill>
-                  <a:srgbClr val="660033"/>
-                </a:solidFill>
-                <a:effectLst/>
-                <a:latin typeface="Calibri" panose="020F0502020204030204" pitchFamily="34" charset="0"/>
-                <a:ea typeface="微軟正黑體" pitchFamily="34" charset="-120"/>
-                <a:cs typeface="Calibri" panose="020F0502020204030204" pitchFamily="34" charset="0"/>
-              </a:rPr>
-              <a:t>quy </a:t>
-            </a:r>
-            <a:r>
-              <a:rPr lang="vi-VN" altLang="zh-TW" sz="4400" b="1" dirty="0">
-                <a:solidFill>
-                  <a:srgbClr val="660033"/>
-                </a:solidFill>
-                <a:effectLst/>
-                <a:latin typeface="Calibri" panose="020F0502020204030204" pitchFamily="34" charset="0"/>
-                <a:ea typeface="微軟正黑體" pitchFamily="34" charset="-120"/>
-                <a:cs typeface="Calibri" panose="020F0502020204030204" pitchFamily="34" charset="0"/>
-              </a:rPr>
-              <a:t>về Cha Thánh</a:t>
+              <a:t>Bao quyền năng dưới trên quy về Cha Thánh</a:t>
             </a:r>
             <a:endParaRPr lang="en-US" sz="4400" b="1" dirty="0">
               <a:solidFill>
@@ -4297,7 +4248,7 @@
         <p:spPr>
           <a:xfrm>
             <a:off x="0" y="5253203"/>
-            <a:ext cx="12192000" cy="748988"/>
+            <a:ext cx="12192000" cy="646331"/>
           </a:xfrm>
           <a:prstGeom prst="rect">
             <a:avLst/>
@@ -4312,19 +4263,17 @@
           <a:p>
             <a:pPr algn="ctr"/>
             <a:r>
-              <a:rPr lang="en-US" sz="4267" b="1" dirty="0">
+              <a:rPr lang="en-US" sz="3600" b="1" dirty="0">
                 <a:solidFill>
                   <a:srgbClr val="000066"/>
                 </a:solidFill>
-                <a:effectLst/>
-              </a:rPr>
-              <a:t>( 3 )</a:t>
-            </a:r>
-            <a:endParaRPr lang="vi-VN" sz="4267" b="1" dirty="0">
+              </a:rPr>
+              <a:t>( 3 / 4 )</a:t>
+            </a:r>
+            <a:endParaRPr lang="vi-VN" sz="3600" b="1" dirty="0">
               <a:solidFill>
                 <a:srgbClr val="000066"/>
               </a:solidFill>
-              <a:effectLst/>
             </a:endParaRPr>
           </a:p>
         </p:txBody>
@@ -4414,13 +4363,6 @@
               </a:rPr>
               <a:t>並醫治  救主我神</a:t>
             </a:r>
-            <a:endParaRPr lang="zh-TW" altLang="en-US" sz="6400" b="1" dirty="0">
-              <a:solidFill>
-                <a:srgbClr val="000066"/>
-              </a:solidFill>
-              <a:latin typeface="Microsoft JhengHei" panose="020B0604030504040204" pitchFamily="34" charset="-120"/>
-              <a:ea typeface="Microsoft JhengHei" panose="020B0604030504040204" pitchFamily="34" charset="-120"/>
-            </a:endParaRPr>
           </a:p>
         </p:txBody>
       </p:sp>
@@ -4596,43 +4538,7 @@
                 <a:ea typeface="微軟正黑體" pitchFamily="34" charset="-120"/>
                 <a:cs typeface="Calibri" panose="020F0502020204030204" pitchFamily="34" charset="0"/>
               </a:rPr>
-              <a:t>Xin </a:t>
-            </a:r>
-            <a:r>
-              <a:rPr lang="vi-VN" altLang="zh-TW" sz="4400" b="1" dirty="0">
-                <a:solidFill>
-                  <a:srgbClr val="660033"/>
-                </a:solidFill>
-                <a:effectLst/>
-                <a:latin typeface="Calibri" panose="020F0502020204030204" pitchFamily="34" charset="0"/>
-                <a:ea typeface="微軟正黑體" pitchFamily="34" charset="-120"/>
-                <a:cs typeface="Calibri" panose="020F0502020204030204" pitchFamily="34" charset="0"/>
-              </a:rPr>
-              <a:t>hãy đưa tay rờ, </a:t>
-            </a:r>
-            <a:r>
-              <a:rPr lang="vi-VN" altLang="zh-TW" sz="4400" b="1" dirty="0">
-                <a:solidFill>
-                  <a:srgbClr val="660033"/>
-                </a:solidFill>
-                <a:effectLst/>
-                <a:latin typeface="Calibri" panose="020F0502020204030204" pitchFamily="34" charset="0"/>
-                <a:ea typeface="微軟正黑體" pitchFamily="34" charset="-120"/>
-                <a:cs typeface="Calibri" panose="020F0502020204030204" pitchFamily="34" charset="0"/>
-              </a:rPr>
-              <a:t>tôi </a:t>
-            </a:r>
-            <a:r>
-              <a:rPr lang="vi-VN" altLang="zh-TW" sz="4400" b="1" dirty="0">
-                <a:solidFill>
-                  <a:srgbClr val="660033"/>
-                </a:solidFill>
-                <a:effectLst/>
-                <a:latin typeface="Calibri" panose="020F0502020204030204" pitchFamily="34" charset="0"/>
-                <a:ea typeface="微軟正黑體" pitchFamily="34" charset="-120"/>
-                <a:cs typeface="Calibri" panose="020F0502020204030204" pitchFamily="34" charset="0"/>
-              </a:rPr>
-              <a:t>được yên lành</a:t>
+              <a:t>Xin hãy đưa tay rờ, tôi được yên lành</a:t>
             </a:r>
             <a:endParaRPr lang="en-US" sz="4400" b="1" dirty="0">
               <a:solidFill>
@@ -4655,7 +4561,7 @@
         <p:spPr>
           <a:xfrm>
             <a:off x="0" y="5253203"/>
-            <a:ext cx="12192000" cy="748988"/>
+            <a:ext cx="12192000" cy="646331"/>
           </a:xfrm>
           <a:prstGeom prst="rect">
             <a:avLst/>
@@ -4670,19 +4576,17 @@
           <a:p>
             <a:pPr algn="ctr"/>
             <a:r>
-              <a:rPr lang="en-US" sz="4267" b="1" dirty="0">
+              <a:rPr lang="en-US" sz="3600" b="1" dirty="0">
                 <a:solidFill>
                   <a:srgbClr val="000066"/>
                 </a:solidFill>
-                <a:effectLst/>
-              </a:rPr>
-              <a:t>( 3 )</a:t>
-            </a:r>
-            <a:endParaRPr lang="vi-VN" sz="4267" b="1" dirty="0">
+              </a:rPr>
+              <a:t>( 3 / 4 )</a:t>
+            </a:r>
+            <a:endParaRPr lang="vi-VN" sz="3600" b="1" dirty="0">
               <a:solidFill>
                 <a:srgbClr val="000066"/>
               </a:solidFill>
-              <a:effectLst/>
             </a:endParaRPr>
           </a:p>
         </p:txBody>
@@ -4743,7 +4647,7 @@
               <a:buNone/>
             </a:pPr>
             <a:r>
-              <a:rPr lang="zh-TW" altLang="en-US" sz="6400" b="1" dirty="0">
+              <a:rPr lang="zh-TW" altLang="en-US" sz="6400" b="1" dirty="0" smtClean="0">
                 <a:solidFill>
                   <a:srgbClr val="000066"/>
                 </a:solidFill>
@@ -4753,44 +4657,74 @@
               <a:t>憑</a:t>
             </a:r>
             <a:r>
-              <a:rPr lang="zh-CN" altLang="en-US" sz="6400" b="1" dirty="0">
+              <a:rPr lang="zh-CN" altLang="en-US" sz="6400" b="1" dirty="0" smtClean="0">
                 <a:solidFill>
                   <a:srgbClr val="000066"/>
                 </a:solidFill>
                 <a:latin typeface="Microsoft JhengHei" panose="020B0604030504040204" pitchFamily="34" charset="-120"/>
                 <a:ea typeface="Microsoft JhengHei" panose="020B0604030504040204" pitchFamily="34" charset="-120"/>
               </a:rPr>
-              <a:t>袮</a:t>
-            </a:r>
-            <a:r>
-              <a:rPr lang="zh-TW" altLang="en-US" sz="6400" b="1" dirty="0">
+              <a:t>祢</a:t>
+            </a:r>
+            <a:r>
+              <a:rPr lang="zh-TW" altLang="en-US" sz="6400" b="1" dirty="0" smtClean="0">
                 <a:solidFill>
                   <a:srgbClr val="000066"/>
                 </a:solidFill>
                 <a:latin typeface="Microsoft JhengHei" panose="020B0604030504040204" pitchFamily="34" charset="-120"/>
                 <a:ea typeface="Microsoft JhengHei" panose="020B0604030504040204" pitchFamily="34" charset="-120"/>
               </a:rPr>
-              <a:t>意行  主  憑</a:t>
-            </a:r>
-            <a:r>
-              <a:rPr lang="zh-CN" altLang="en-US" sz="6400" b="1" dirty="0">
+              <a:t>意</a:t>
+            </a:r>
+            <a:r>
+              <a:rPr lang="zh-TW" altLang="en-US" sz="6400" b="1" dirty="0">
                 <a:solidFill>
                   <a:srgbClr val="000066"/>
                 </a:solidFill>
                 <a:latin typeface="Microsoft JhengHei" panose="020B0604030504040204" pitchFamily="34" charset="-120"/>
                 <a:ea typeface="Microsoft JhengHei" panose="020B0604030504040204" pitchFamily="34" charset="-120"/>
               </a:rPr>
-              <a:t>袮</a:t>
-            </a:r>
-            <a:r>
-              <a:rPr lang="zh-TW" altLang="en-US" sz="6400" b="1" dirty="0">
+              <a:t>行  主  </a:t>
+            </a:r>
+            <a:r>
+              <a:rPr lang="zh-TW" altLang="en-US" sz="6400" b="1" dirty="0" smtClean="0">
                 <a:solidFill>
                   <a:srgbClr val="000066"/>
                 </a:solidFill>
                 <a:latin typeface="Microsoft JhengHei" panose="020B0604030504040204" pitchFamily="34" charset="-120"/>
                 <a:ea typeface="Microsoft JhengHei" panose="020B0604030504040204" pitchFamily="34" charset="-120"/>
               </a:rPr>
-              <a:t>意行</a:t>
+              <a:t>憑</a:t>
+            </a:r>
+            <a:r>
+              <a:rPr lang="zh-CN" altLang="en-US" sz="6400" b="1" dirty="0" smtClean="0">
+                <a:solidFill>
+                  <a:srgbClr val="000066"/>
+                </a:solidFill>
+                <a:latin typeface="Microsoft JhengHei" panose="020B0604030504040204" pitchFamily="34" charset="-120"/>
+                <a:ea typeface="Microsoft JhengHei" panose="020B0604030504040204" pitchFamily="34" charset="-120"/>
+              </a:rPr>
+              <a:t>祢</a:t>
+            </a:r>
+            <a:r>
+              <a:rPr lang="zh-TW" altLang="en-US" sz="6400" b="1" dirty="0" smtClean="0">
+                <a:solidFill>
+                  <a:srgbClr val="000066"/>
+                </a:solidFill>
+                <a:latin typeface="Microsoft JhengHei" panose="020B0604030504040204" pitchFamily="34" charset="-120"/>
+                <a:ea typeface="Microsoft JhengHei" panose="020B0604030504040204" pitchFamily="34" charset="-120"/>
+              </a:rPr>
+              <a:t>意</a:t>
+            </a:r>
+            <a:r>
+              <a:rPr lang="zh-TW" altLang="en-US" sz="6400" b="1" dirty="0">
+                <a:solidFill>
+                  <a:srgbClr val="000066"/>
+                </a:solidFill>
+                <a:latin typeface="Microsoft JhengHei" panose="020B0604030504040204" pitchFamily="34" charset="-120"/>
+                <a:ea typeface="Microsoft JhengHei" panose="020B0604030504040204" pitchFamily="34" charset="-120"/>
+              </a:rPr>
+              <a:t>行</a:t>
             </a:r>
             <a:endParaRPr lang="en-US" altLang="zh-TW" sz="6400" b="1" dirty="0">
               <a:solidFill>
@@ -4974,31 +4908,7 @@
                 <a:ea typeface="微軟正黑體" pitchFamily="34" charset="-120"/>
                 <a:cs typeface="Calibri" panose="020F0502020204030204" pitchFamily="34" charset="0"/>
               </a:rPr>
-              <a:t>Tôi nguyện theo ý Cha, </a:t>
-            </a:r>
-            <a:r>
-              <a:rPr lang="vi-VN" altLang="zh-TW" sz="4400" b="1" dirty="0">
-                <a:solidFill>
-                  <a:srgbClr val="660033"/>
-                </a:solidFill>
-                <a:effectLst/>
-                <a:latin typeface="Calibri" panose="020F0502020204030204" pitchFamily="34" charset="0"/>
-                <a:ea typeface="微軟正黑體" pitchFamily="34" charset="-120"/>
-                <a:cs typeface="Calibri" panose="020F0502020204030204" pitchFamily="34" charset="0"/>
-              </a:rPr>
-              <a:t>vâng </a:t>
-            </a:r>
-            <a:r>
-              <a:rPr lang="vi-VN" altLang="zh-TW" sz="4400" b="1" dirty="0">
-                <a:solidFill>
-                  <a:srgbClr val="660033"/>
-                </a:solidFill>
-                <a:effectLst/>
-                <a:latin typeface="Calibri" panose="020F0502020204030204" pitchFamily="34" charset="0"/>
-                <a:ea typeface="微軟正黑體" pitchFamily="34" charset="-120"/>
-                <a:cs typeface="Calibri" panose="020F0502020204030204" pitchFamily="34" charset="0"/>
-              </a:rPr>
-              <a:t>Ngài không thôi</a:t>
+              <a:t>Tôi nguyện theo ý Cha, vâng Ngài không thôi</a:t>
             </a:r>
             <a:endParaRPr lang="en-US" sz="4400" b="1" dirty="0">
               <a:solidFill>
@@ -5021,7 +4931,7 @@
         <p:spPr>
           <a:xfrm>
             <a:off x="0" y="5253203"/>
-            <a:ext cx="12192000" cy="748988"/>
+            <a:ext cx="12192000" cy="646331"/>
           </a:xfrm>
           <a:prstGeom prst="rect">
             <a:avLst/>
@@ -5036,19 +4946,33 @@
           <a:p>
             <a:pPr algn="ctr"/>
             <a:r>
-              <a:rPr lang="en-US" sz="4267" b="1" dirty="0">
+              <a:rPr lang="en-US" sz="3600" b="1" dirty="0">
                 <a:solidFill>
                   <a:srgbClr val="000066"/>
                 </a:solidFill>
-                <a:effectLst/>
-              </a:rPr>
-              <a:t>( 4 )</a:t>
-            </a:r>
-            <a:endParaRPr lang="vi-VN" sz="4267" b="1" dirty="0">
+              </a:rPr>
+              <a:t>( </a:t>
+            </a:r>
+            <a:r>
+              <a:rPr lang="en-US" sz="3600" b="1" dirty="0">
+                <a:solidFill>
+                  <a:srgbClr val="000066"/>
+                </a:solidFill>
+              </a:rPr>
+              <a:t>4 </a:t>
+            </a:r>
+            <a:r>
+              <a:rPr lang="en-US" sz="3600" b="1" dirty="0">
+                <a:solidFill>
+                  <a:srgbClr val="000066"/>
+                </a:solidFill>
+              </a:rPr>
+              <a:t>/ 4 )</a:t>
+            </a:r>
+            <a:endParaRPr lang="vi-VN" sz="3600" b="1" dirty="0">
               <a:solidFill>
                 <a:srgbClr val="000066"/>
               </a:solidFill>
-              <a:effectLst/>
             </a:endParaRPr>
           </a:p>
         </p:txBody>
@@ -5300,31 +5224,7 @@
                 <a:ea typeface="微軟正黑體" pitchFamily="34" charset="-120"/>
                 <a:cs typeface="Calibri" panose="020F0502020204030204" pitchFamily="34" charset="0"/>
               </a:rPr>
-              <a:t>Xin Ngài cai quản luôn </a:t>
-            </a:r>
-            <a:r>
-              <a:rPr lang="vi-VN" altLang="zh-TW" sz="4400" b="1" dirty="0">
-                <a:solidFill>
-                  <a:srgbClr val="660033"/>
-                </a:solidFill>
-                <a:effectLst/>
-                <a:latin typeface="Calibri" panose="020F0502020204030204" pitchFamily="34" charset="0"/>
-                <a:ea typeface="微軟正黑體" pitchFamily="34" charset="-120"/>
-                <a:cs typeface="Calibri" panose="020F0502020204030204" pitchFamily="34" charset="0"/>
-              </a:rPr>
-              <a:t>cả </a:t>
-            </a:r>
-            <a:r>
-              <a:rPr lang="vi-VN" altLang="zh-TW" sz="4400" b="1" dirty="0">
-                <a:solidFill>
-                  <a:srgbClr val="660033"/>
-                </a:solidFill>
-                <a:effectLst/>
-                <a:latin typeface="Calibri" panose="020F0502020204030204" pitchFamily="34" charset="0"/>
-                <a:ea typeface="微軟正黑體" pitchFamily="34" charset="-120"/>
-                <a:cs typeface="Calibri" panose="020F0502020204030204" pitchFamily="34" charset="0"/>
-              </a:rPr>
-              <a:t>thân, hồn tôi</a:t>
+              <a:t>Xin Ngài cai quản luôn cả thân, hồn tôi</a:t>
             </a:r>
             <a:endParaRPr lang="en-US" sz="4400" b="1" dirty="0">
               <a:solidFill>
@@ -5347,7 +5247,7 @@
         <p:spPr>
           <a:xfrm>
             <a:off x="0" y="5253203"/>
-            <a:ext cx="12192000" cy="748988"/>
+            <a:ext cx="12192000" cy="646331"/>
           </a:xfrm>
           <a:prstGeom prst="rect">
             <a:avLst/>
@@ -5362,19 +5262,17 @@
           <a:p>
             <a:pPr algn="ctr"/>
             <a:r>
-              <a:rPr lang="en-US" sz="4267" b="1" dirty="0">
+              <a:rPr lang="en-US" sz="3600" b="1" dirty="0">
                 <a:solidFill>
                   <a:srgbClr val="000066"/>
                 </a:solidFill>
-                <a:effectLst/>
-              </a:rPr>
-              <a:t>( 4 )</a:t>
-            </a:r>
-            <a:endParaRPr lang="vi-VN" sz="4267" b="1" dirty="0">
+              </a:rPr>
+              <a:t>( 4 / 4 )</a:t>
+            </a:r>
+            <a:endParaRPr lang="vi-VN" sz="3600" b="1" dirty="0">
               <a:solidFill>
                 <a:srgbClr val="000066"/>
               </a:solidFill>
-              <a:effectLst/>
             </a:endParaRPr>
           </a:p>
         </p:txBody>
@@ -5709,7 +5607,7 @@
         <p:spPr>
           <a:xfrm>
             <a:off x="0" y="5253203"/>
-            <a:ext cx="12192000" cy="748988"/>
+            <a:ext cx="12192000" cy="646331"/>
           </a:xfrm>
           <a:prstGeom prst="rect">
             <a:avLst/>
@@ -5724,19 +5622,17 @@
           <a:p>
             <a:pPr algn="ctr"/>
             <a:r>
-              <a:rPr lang="en-US" sz="4267" b="1" dirty="0">
+              <a:rPr lang="en-US" sz="3600" b="1" dirty="0">
                 <a:solidFill>
                   <a:srgbClr val="000066"/>
                 </a:solidFill>
-                <a:effectLst/>
-              </a:rPr>
-              <a:t>( 4 )</a:t>
-            </a:r>
-            <a:endParaRPr lang="vi-VN" sz="4267" b="1" dirty="0">
+              </a:rPr>
+              <a:t>( 4 / 4 )</a:t>
+            </a:r>
+            <a:endParaRPr lang="vi-VN" sz="3600" b="1" dirty="0">
               <a:solidFill>
                 <a:srgbClr val="000066"/>
               </a:solidFill>
-              <a:effectLst/>
             </a:endParaRPr>
           </a:p>
         </p:txBody>
@@ -5816,13 +5712,6 @@
               </a:rPr>
               <a:t>獨有耶穌  居我心內</a:t>
             </a:r>
-            <a:endParaRPr lang="zh-TW" altLang="en-US" sz="6400" b="1" dirty="0">
-              <a:solidFill>
-                <a:srgbClr val="000066"/>
-              </a:solidFill>
-              <a:latin typeface="Microsoft JhengHei" panose="020B0604030504040204" pitchFamily="34" charset="-120"/>
-              <a:ea typeface="Microsoft JhengHei" panose="020B0604030504040204" pitchFamily="34" charset="-120"/>
-            </a:endParaRPr>
           </a:p>
         </p:txBody>
       </p:sp>
@@ -5998,43 +5887,7 @@
                 <a:ea typeface="微軟正黑體" pitchFamily="34" charset="-120"/>
                 <a:cs typeface="Calibri" panose="020F0502020204030204" pitchFamily="34" charset="0"/>
               </a:rPr>
-              <a:t>Duy </a:t>
-            </a:r>
-            <a:r>
-              <a:rPr lang="vi-VN" altLang="zh-TW" sz="4400" b="1" dirty="0">
-                <a:solidFill>
-                  <a:srgbClr val="660033"/>
-                </a:solidFill>
-                <a:effectLst/>
-                <a:latin typeface="Calibri" panose="020F0502020204030204" pitchFamily="34" charset="0"/>
-                <a:ea typeface="微軟正黑體" pitchFamily="34" charset="-120"/>
-                <a:cs typeface="Calibri" panose="020F0502020204030204" pitchFamily="34" charset="0"/>
-              </a:rPr>
-              <a:t>Chúa Jêsus Christ </a:t>
-            </a:r>
-            <a:r>
-              <a:rPr lang="vi-VN" altLang="zh-TW" sz="4400" b="1" dirty="0">
-                <a:solidFill>
-                  <a:srgbClr val="660033"/>
-                </a:solidFill>
-                <a:effectLst/>
-                <a:latin typeface="Calibri" panose="020F0502020204030204" pitchFamily="34" charset="0"/>
-                <a:ea typeface="微軟正黑體" pitchFamily="34" charset="-120"/>
-                <a:cs typeface="Calibri" panose="020F0502020204030204" pitchFamily="34" charset="0"/>
-              </a:rPr>
-              <a:t>cai </a:t>
-            </a:r>
-            <a:r>
-              <a:rPr lang="vi-VN" altLang="zh-TW" sz="4400" b="1" dirty="0">
-                <a:solidFill>
-                  <a:srgbClr val="660033"/>
-                </a:solidFill>
-                <a:effectLst/>
-                <a:latin typeface="Calibri" panose="020F0502020204030204" pitchFamily="34" charset="0"/>
-                <a:ea typeface="微軟正黑體" pitchFamily="34" charset="-120"/>
-                <a:cs typeface="Calibri" panose="020F0502020204030204" pitchFamily="34" charset="0"/>
-              </a:rPr>
-              <a:t>trị tâm nầy</a:t>
+              <a:t>Duy Chúa Jêsus Christ cai trị tâm nầy</a:t>
             </a:r>
             <a:endParaRPr lang="en-US" sz="4400" b="1" dirty="0">
               <a:solidFill>
@@ -6057,7 +5910,7 @@
         <p:spPr>
           <a:xfrm>
             <a:off x="0" y="5253203"/>
-            <a:ext cx="12192000" cy="748988"/>
+            <a:ext cx="12192000" cy="646331"/>
           </a:xfrm>
           <a:prstGeom prst="rect">
             <a:avLst/>
@@ -6072,19 +5925,17 @@
           <a:p>
             <a:pPr algn="ctr"/>
             <a:r>
-              <a:rPr lang="en-US" sz="4267" b="1" dirty="0">
+              <a:rPr lang="en-US" sz="3600" b="1" dirty="0">
                 <a:solidFill>
                   <a:srgbClr val="000066"/>
                 </a:solidFill>
-                <a:effectLst/>
-              </a:rPr>
-              <a:t>( 4 )</a:t>
-            </a:r>
-            <a:endParaRPr lang="vi-VN" sz="4267" b="1" dirty="0">
+              </a:rPr>
+              <a:t>( 4 / 4 )</a:t>
+            </a:r>
+            <a:endParaRPr lang="vi-VN" sz="3600" b="1" dirty="0">
               <a:solidFill>
                 <a:srgbClr val="000066"/>
               </a:solidFill>
-              <a:effectLst/>
             </a:endParaRPr>
           </a:p>
         </p:txBody>
@@ -6145,7 +5996,7 @@
               <a:buNone/>
             </a:pPr>
             <a:r>
-              <a:rPr lang="zh-TW" altLang="en-US" sz="6400" b="1" dirty="0">
+              <a:rPr lang="zh-TW" altLang="en-US" sz="6400" b="1" dirty="0" smtClean="0">
                 <a:solidFill>
                   <a:srgbClr val="000066"/>
                 </a:solidFill>
@@ -6155,44 +6006,74 @@
               <a:t>憑</a:t>
             </a:r>
             <a:r>
-              <a:rPr lang="zh-CN" altLang="en-US" sz="6400" b="1" dirty="0">
+              <a:rPr lang="zh-CN" altLang="en-US" sz="6400" b="1" dirty="0" smtClean="0">
                 <a:solidFill>
                   <a:srgbClr val="000066"/>
                 </a:solidFill>
                 <a:latin typeface="Microsoft JhengHei" panose="020B0604030504040204" pitchFamily="34" charset="-120"/>
                 <a:ea typeface="Microsoft JhengHei" panose="020B0604030504040204" pitchFamily="34" charset="-120"/>
               </a:rPr>
-              <a:t>袮</a:t>
-            </a:r>
-            <a:r>
-              <a:rPr lang="zh-TW" altLang="en-US" sz="6400" b="1" dirty="0">
+              <a:t>祢</a:t>
+            </a:r>
+            <a:r>
+              <a:rPr lang="zh-TW" altLang="en-US" sz="6400" b="1" dirty="0" smtClean="0">
                 <a:solidFill>
                   <a:srgbClr val="000066"/>
                 </a:solidFill>
                 <a:latin typeface="Microsoft JhengHei" panose="020B0604030504040204" pitchFamily="34" charset="-120"/>
                 <a:ea typeface="Microsoft JhengHei" panose="020B0604030504040204" pitchFamily="34" charset="-120"/>
               </a:rPr>
-              <a:t>意行  主  憑</a:t>
-            </a:r>
-            <a:r>
-              <a:rPr lang="zh-CN" altLang="en-US" sz="6400" b="1" dirty="0">
+              <a:t>意</a:t>
+            </a:r>
+            <a:r>
+              <a:rPr lang="zh-TW" altLang="en-US" sz="6400" b="1" dirty="0">
                 <a:solidFill>
                   <a:srgbClr val="000066"/>
                 </a:solidFill>
                 <a:latin typeface="Microsoft JhengHei" panose="020B0604030504040204" pitchFamily="34" charset="-120"/>
                 <a:ea typeface="Microsoft JhengHei" panose="020B0604030504040204" pitchFamily="34" charset="-120"/>
               </a:rPr>
-              <a:t>袮</a:t>
-            </a:r>
-            <a:r>
-              <a:rPr lang="zh-TW" altLang="en-US" sz="6400" b="1" dirty="0">
+              <a:t>行  主  </a:t>
+            </a:r>
+            <a:r>
+              <a:rPr lang="zh-TW" altLang="en-US" sz="6400" b="1" dirty="0" smtClean="0">
                 <a:solidFill>
                   <a:srgbClr val="000066"/>
                 </a:solidFill>
                 <a:latin typeface="Microsoft JhengHei" panose="020B0604030504040204" pitchFamily="34" charset="-120"/>
                 <a:ea typeface="Microsoft JhengHei" panose="020B0604030504040204" pitchFamily="34" charset="-120"/>
               </a:rPr>
-              <a:t>意行</a:t>
+              <a:t>憑</a:t>
+            </a:r>
+            <a:r>
+              <a:rPr lang="zh-CN" altLang="en-US" sz="6400" b="1" dirty="0" smtClean="0">
+                <a:solidFill>
+                  <a:srgbClr val="000066"/>
+                </a:solidFill>
+                <a:latin typeface="Microsoft JhengHei" panose="020B0604030504040204" pitchFamily="34" charset="-120"/>
+                <a:ea typeface="Microsoft JhengHei" panose="020B0604030504040204" pitchFamily="34" charset="-120"/>
+              </a:rPr>
+              <a:t>祢</a:t>
+            </a:r>
+            <a:r>
+              <a:rPr lang="zh-TW" altLang="en-US" sz="6400" b="1" dirty="0" smtClean="0">
+                <a:solidFill>
+                  <a:srgbClr val="000066"/>
+                </a:solidFill>
+                <a:latin typeface="Microsoft JhengHei" panose="020B0604030504040204" pitchFamily="34" charset="-120"/>
+                <a:ea typeface="Microsoft JhengHei" panose="020B0604030504040204" pitchFamily="34" charset="-120"/>
+              </a:rPr>
+              <a:t>意</a:t>
+            </a:r>
+            <a:r>
+              <a:rPr lang="zh-TW" altLang="en-US" sz="6400" b="1" dirty="0">
+                <a:solidFill>
+                  <a:srgbClr val="000066"/>
+                </a:solidFill>
+                <a:latin typeface="Microsoft JhengHei" panose="020B0604030504040204" pitchFamily="34" charset="-120"/>
+                <a:ea typeface="Microsoft JhengHei" panose="020B0604030504040204" pitchFamily="34" charset="-120"/>
+              </a:rPr>
+              <a:t>行</a:t>
             </a:r>
             <a:endParaRPr lang="en-US" altLang="zh-TW" sz="6400" b="1" dirty="0">
               <a:solidFill>
@@ -6376,31 +6257,7 @@
                 <a:ea typeface="微軟正黑體" pitchFamily="34" charset="-120"/>
                 <a:cs typeface="Calibri" panose="020F0502020204030204" pitchFamily="34" charset="0"/>
               </a:rPr>
-              <a:t>Tôi nguyện theo ý Cha, </a:t>
-            </a:r>
-            <a:r>
-              <a:rPr lang="vi-VN" altLang="zh-TW" sz="4400" b="1" dirty="0">
-                <a:solidFill>
-                  <a:srgbClr val="660033"/>
-                </a:solidFill>
-                <a:effectLst/>
-                <a:latin typeface="Calibri" panose="020F0502020204030204" pitchFamily="34" charset="0"/>
-                <a:ea typeface="微軟正黑體" pitchFamily="34" charset="-120"/>
-                <a:cs typeface="Calibri" panose="020F0502020204030204" pitchFamily="34" charset="0"/>
-              </a:rPr>
-              <a:t>vâng </a:t>
-            </a:r>
-            <a:r>
-              <a:rPr lang="vi-VN" altLang="zh-TW" sz="4400" b="1" dirty="0">
-                <a:solidFill>
-                  <a:srgbClr val="660033"/>
-                </a:solidFill>
-                <a:effectLst/>
-                <a:latin typeface="Calibri" panose="020F0502020204030204" pitchFamily="34" charset="0"/>
-                <a:ea typeface="微軟正黑體" pitchFamily="34" charset="-120"/>
-                <a:cs typeface="Calibri" panose="020F0502020204030204" pitchFamily="34" charset="0"/>
-              </a:rPr>
-              <a:t>Ngài không thôi</a:t>
+              <a:t>Tôi nguyện theo ý Cha, vâng Ngài không thôi</a:t>
             </a:r>
             <a:endParaRPr lang="en-US" sz="4400" b="1" dirty="0">
               <a:solidFill>
@@ -6423,7 +6280,7 @@
         <p:spPr>
           <a:xfrm>
             <a:off x="0" y="5253203"/>
-            <a:ext cx="12192000" cy="748988"/>
+            <a:ext cx="12192000" cy="646331"/>
           </a:xfrm>
           <a:prstGeom prst="rect">
             <a:avLst/>
@@ -6438,15 +6295,33 @@
           <a:p>
             <a:pPr algn="ctr"/>
             <a:r>
-              <a:rPr lang="en-US" sz="4267" b="1" dirty="0">
+              <a:rPr lang="en-US" sz="3600" b="1" dirty="0">
                 <a:solidFill>
                   <a:srgbClr val="000066"/>
                 </a:solidFill>
                 <a:effectLst/>
               </a:rPr>
-              <a:t>( 1 )</a:t>
-            </a:r>
-            <a:endParaRPr lang="vi-VN" sz="4267" b="1" dirty="0">
+              <a:t>( </a:t>
+            </a:r>
+            <a:r>
+              <a:rPr lang="en-US" sz="3600" b="1" dirty="0" smtClean="0">
+                <a:solidFill>
+                  <a:srgbClr val="000066"/>
+                </a:solidFill>
+                <a:effectLst/>
+              </a:rPr>
+              <a:t>1 / 4 </a:t>
+            </a:r>
+            <a:r>
+              <a:rPr lang="en-US" sz="3600" b="1" dirty="0">
+                <a:solidFill>
+                  <a:srgbClr val="000066"/>
+                </a:solidFill>
+                <a:effectLst/>
+              </a:rPr>
+              <a:t>)</a:t>
+            </a:r>
+            <a:endParaRPr lang="vi-VN" sz="3600" b="1" dirty="0">
               <a:solidFill>
                 <a:srgbClr val="000066"/>
               </a:solidFill>
@@ -6702,31 +6577,7 @@
                 <a:ea typeface="微軟正黑體" pitchFamily="34" charset="-120"/>
                 <a:cs typeface="Calibri" panose="020F0502020204030204" pitchFamily="34" charset="0"/>
               </a:rPr>
-              <a:t>Cha là thợ gốm thiêng, </a:t>
-            </a:r>
-            <a:r>
-              <a:rPr lang="vi-VN" altLang="zh-TW" sz="4400" b="1" dirty="0">
-                <a:solidFill>
-                  <a:srgbClr val="660033"/>
-                </a:solidFill>
-                <a:effectLst/>
-                <a:latin typeface="Calibri" panose="020F0502020204030204" pitchFamily="34" charset="0"/>
-                <a:ea typeface="微軟正黑體" pitchFamily="34" charset="-120"/>
-                <a:cs typeface="Calibri" panose="020F0502020204030204" pitchFamily="34" charset="0"/>
-              </a:rPr>
-              <a:t>đất </a:t>
-            </a:r>
-            <a:r>
-              <a:rPr lang="vi-VN" altLang="zh-TW" sz="4400" b="1" dirty="0">
-                <a:solidFill>
-                  <a:srgbClr val="660033"/>
-                </a:solidFill>
-                <a:effectLst/>
-                <a:latin typeface="Calibri" panose="020F0502020204030204" pitchFamily="34" charset="0"/>
-                <a:ea typeface="微軟正黑體" pitchFamily="34" charset="-120"/>
-                <a:cs typeface="Calibri" panose="020F0502020204030204" pitchFamily="34" charset="0"/>
-              </a:rPr>
-              <a:t>sét là tôi</a:t>
+              <a:t>Cha là thợ gốm thiêng, đất sét là tôi</a:t>
             </a:r>
             <a:endParaRPr lang="en-US" sz="4400" b="1" dirty="0">
               <a:solidFill>
@@ -6749,7 +6600,7 @@
         <p:spPr>
           <a:xfrm>
             <a:off x="0" y="5253203"/>
-            <a:ext cx="12192000" cy="748988"/>
+            <a:ext cx="12192000" cy="646331"/>
           </a:xfrm>
           <a:prstGeom prst="rect">
             <a:avLst/>
@@ -6764,19 +6615,17 @@
           <a:p>
             <a:pPr algn="ctr"/>
             <a:r>
-              <a:rPr lang="en-US" sz="4267" b="1" dirty="0">
+              <a:rPr lang="en-US" sz="3600" b="1" dirty="0">
                 <a:solidFill>
                   <a:srgbClr val="000066"/>
                 </a:solidFill>
-                <a:effectLst/>
-              </a:rPr>
-              <a:t>( 1 )</a:t>
-            </a:r>
-            <a:endParaRPr lang="vi-VN" sz="4267" b="1" dirty="0">
+              </a:rPr>
+              <a:t>( 1 / 4 )</a:t>
+            </a:r>
+            <a:endParaRPr lang="vi-VN" sz="3600" b="1" dirty="0">
               <a:solidFill>
                 <a:srgbClr val="000066"/>
               </a:solidFill>
-              <a:effectLst/>
             </a:endParaRPr>
           </a:p>
         </p:txBody>
@@ -7028,31 +6877,7 @@
                 <a:ea typeface="微軟正黑體" pitchFamily="34" charset="-120"/>
                 <a:cs typeface="Calibri" panose="020F0502020204030204" pitchFamily="34" charset="0"/>
               </a:rPr>
-              <a:t>Tôi nguyện theo ý Cha, </a:t>
-            </a:r>
-            <a:r>
-              <a:rPr lang="vi-VN" altLang="zh-TW" sz="4400" b="1" dirty="0">
-                <a:solidFill>
-                  <a:srgbClr val="660033"/>
-                </a:solidFill>
-                <a:effectLst/>
-                <a:latin typeface="Calibri" panose="020F0502020204030204" pitchFamily="34" charset="0"/>
-                <a:ea typeface="微軟正黑體" pitchFamily="34" charset="-120"/>
-                <a:cs typeface="Calibri" panose="020F0502020204030204" pitchFamily="34" charset="0"/>
-              </a:rPr>
-              <a:t>xin </a:t>
-            </a:r>
-            <a:r>
-              <a:rPr lang="vi-VN" altLang="zh-TW" sz="4400" b="1" dirty="0">
-                <a:solidFill>
-                  <a:srgbClr val="660033"/>
-                </a:solidFill>
-                <a:effectLst/>
-                <a:latin typeface="Calibri" panose="020F0502020204030204" pitchFamily="34" charset="0"/>
-                <a:ea typeface="微軟正黑體" pitchFamily="34" charset="-120"/>
-                <a:cs typeface="Calibri" panose="020F0502020204030204" pitchFamily="34" charset="0"/>
-              </a:rPr>
-              <a:t>Ngài nung đúc</a:t>
+              <a:t>Tôi nguyện theo ý Cha, xin Ngài nung đúc</a:t>
             </a:r>
             <a:endParaRPr lang="en-US" sz="4400" b="1" dirty="0">
               <a:solidFill>
@@ -7075,7 +6900,7 @@
         <p:spPr>
           <a:xfrm>
             <a:off x="0" y="5253203"/>
-            <a:ext cx="12192000" cy="748988"/>
+            <a:ext cx="12192000" cy="646331"/>
           </a:xfrm>
           <a:prstGeom prst="rect">
             <a:avLst/>
@@ -7090,19 +6915,17 @@
           <a:p>
             <a:pPr algn="ctr"/>
             <a:r>
-              <a:rPr lang="en-US" sz="4267" b="1" dirty="0">
+              <a:rPr lang="en-US" sz="3600" b="1" dirty="0">
                 <a:solidFill>
                   <a:srgbClr val="000066"/>
                 </a:solidFill>
-                <a:effectLst/>
-              </a:rPr>
-              <a:t>( 1 )</a:t>
-            </a:r>
-            <a:endParaRPr lang="vi-VN" sz="4267" b="1" dirty="0">
+              </a:rPr>
+              <a:t>( 1 / 4 )</a:t>
+            </a:r>
+            <a:endParaRPr lang="vi-VN" sz="3600" b="1" dirty="0">
               <a:solidFill>
                 <a:srgbClr val="000066"/>
               </a:solidFill>
-              <a:effectLst/>
             </a:endParaRPr>
           </a:p>
         </p:txBody>
@@ -7172,13 +6995,6 @@
               </a:rPr>
               <a:t>我在此等待  虔恭候主</a:t>
             </a:r>
-            <a:endParaRPr lang="zh-TW" altLang="en-US" sz="6400" b="1" dirty="0">
-              <a:solidFill>
-                <a:srgbClr val="000066"/>
-              </a:solidFill>
-              <a:latin typeface="Microsoft JhengHei" panose="020B0604030504040204" pitchFamily="34" charset="-120"/>
-              <a:ea typeface="Microsoft JhengHei" panose="020B0604030504040204" pitchFamily="34" charset="-120"/>
-            </a:endParaRPr>
           </a:p>
         </p:txBody>
       </p:sp>
@@ -7354,43 +7170,7 @@
                 <a:ea typeface="微軟正黑體" pitchFamily="34" charset="-120"/>
                 <a:cs typeface="Calibri" panose="020F0502020204030204" pitchFamily="34" charset="0"/>
               </a:rPr>
-              <a:t>Tôi </a:t>
-            </a:r>
-            <a:r>
-              <a:rPr lang="vi-VN" altLang="zh-TW" sz="4400" b="1" dirty="0">
-                <a:solidFill>
-                  <a:srgbClr val="660033"/>
-                </a:solidFill>
-                <a:effectLst/>
-                <a:latin typeface="Calibri" panose="020F0502020204030204" pitchFamily="34" charset="0"/>
-                <a:ea typeface="微軟正黑體" pitchFamily="34" charset="-120"/>
-                <a:cs typeface="Calibri" panose="020F0502020204030204" pitchFamily="34" charset="0"/>
-              </a:rPr>
-              <a:t>chỉ biết yên lặng, </a:t>
-            </a:r>
-            <a:r>
-              <a:rPr lang="vi-VN" altLang="zh-TW" sz="4400" b="1" dirty="0">
-                <a:solidFill>
-                  <a:srgbClr val="660033"/>
-                </a:solidFill>
-                <a:effectLst/>
-                <a:latin typeface="Calibri" panose="020F0502020204030204" pitchFamily="34" charset="0"/>
-                <a:ea typeface="微軟正黑體" pitchFamily="34" charset="-120"/>
-                <a:cs typeface="Calibri" panose="020F0502020204030204" pitchFamily="34" charset="0"/>
-              </a:rPr>
-              <a:t>đợi </a:t>
-            </a:r>
-            <a:r>
-              <a:rPr lang="vi-VN" altLang="zh-TW" sz="4400" b="1" dirty="0">
-                <a:solidFill>
-                  <a:srgbClr val="660033"/>
-                </a:solidFill>
-                <a:effectLst/>
-                <a:latin typeface="Calibri" panose="020F0502020204030204" pitchFamily="34" charset="0"/>
-                <a:ea typeface="微軟正黑體" pitchFamily="34" charset="-120"/>
-                <a:cs typeface="Calibri" panose="020F0502020204030204" pitchFamily="34" charset="0"/>
-              </a:rPr>
-              <a:t>chờ vâng phục</a:t>
+              <a:t>Tôi chỉ biết yên lặng, đợi chờ vâng phục</a:t>
             </a:r>
             <a:endParaRPr lang="en-US" sz="4400" b="1" dirty="0">
               <a:solidFill>
@@ -7413,7 +7193,7 @@
         <p:spPr>
           <a:xfrm>
             <a:off x="0" y="5253203"/>
-            <a:ext cx="12192000" cy="748988"/>
+            <a:ext cx="12192000" cy="646331"/>
           </a:xfrm>
           <a:prstGeom prst="rect">
             <a:avLst/>
@@ -7428,19 +7208,17 @@
           <a:p>
             <a:pPr algn="ctr"/>
             <a:r>
-              <a:rPr lang="en-US" sz="4267" b="1" dirty="0">
+              <a:rPr lang="en-US" sz="3600" b="1" dirty="0">
                 <a:solidFill>
                   <a:srgbClr val="000066"/>
                 </a:solidFill>
-                <a:effectLst/>
-              </a:rPr>
-              <a:t>( 1 )</a:t>
-            </a:r>
-            <a:endParaRPr lang="vi-VN" sz="4267" b="1" dirty="0">
+              </a:rPr>
+              <a:t>( 1 / 4 )</a:t>
+            </a:r>
+            <a:endParaRPr lang="vi-VN" sz="3600" b="1" dirty="0">
               <a:solidFill>
                 <a:srgbClr val="000066"/>
               </a:solidFill>
-              <a:effectLst/>
             </a:endParaRPr>
           </a:p>
         </p:txBody>
@@ -7501,7 +7279,7 @@
               <a:buNone/>
             </a:pPr>
             <a:r>
-              <a:rPr lang="zh-TW" altLang="en-US" sz="6400" b="1" dirty="0">
+              <a:rPr lang="zh-TW" altLang="en-US" sz="6400" b="1" dirty="0" smtClean="0">
                 <a:solidFill>
                   <a:srgbClr val="000066"/>
                 </a:solidFill>
@@ -7511,44 +7289,74 @@
               <a:t>憑</a:t>
             </a:r>
             <a:r>
-              <a:rPr lang="zh-CN" altLang="en-US" sz="6400" b="1" dirty="0">
+              <a:rPr lang="zh-CN" altLang="en-US" sz="6400" b="1" dirty="0" smtClean="0">
                 <a:solidFill>
                   <a:srgbClr val="000066"/>
                 </a:solidFill>
                 <a:latin typeface="Microsoft JhengHei" panose="020B0604030504040204" pitchFamily="34" charset="-120"/>
                 <a:ea typeface="Microsoft JhengHei" panose="020B0604030504040204" pitchFamily="34" charset="-120"/>
               </a:rPr>
-              <a:t>袮</a:t>
-            </a:r>
-            <a:r>
-              <a:rPr lang="zh-TW" altLang="en-US" sz="6400" b="1" dirty="0">
+              <a:t>祢</a:t>
+            </a:r>
+            <a:r>
+              <a:rPr lang="zh-TW" altLang="en-US" sz="6400" b="1" dirty="0" smtClean="0">
                 <a:solidFill>
                   <a:srgbClr val="000066"/>
                 </a:solidFill>
                 <a:latin typeface="Microsoft JhengHei" panose="020B0604030504040204" pitchFamily="34" charset="-120"/>
                 <a:ea typeface="Microsoft JhengHei" panose="020B0604030504040204" pitchFamily="34" charset="-120"/>
               </a:rPr>
-              <a:t>意行  主  憑</a:t>
-            </a:r>
-            <a:r>
-              <a:rPr lang="zh-CN" altLang="en-US" sz="6400" b="1" dirty="0">
+              <a:t>意</a:t>
+            </a:r>
+            <a:r>
+              <a:rPr lang="zh-TW" altLang="en-US" sz="6400" b="1" dirty="0">
                 <a:solidFill>
                   <a:srgbClr val="000066"/>
                 </a:solidFill>
                 <a:latin typeface="Microsoft JhengHei" panose="020B0604030504040204" pitchFamily="34" charset="-120"/>
                 <a:ea typeface="Microsoft JhengHei" panose="020B0604030504040204" pitchFamily="34" charset="-120"/>
               </a:rPr>
-              <a:t>袮</a:t>
-            </a:r>
-            <a:r>
-              <a:rPr lang="zh-TW" altLang="en-US" sz="6400" b="1" dirty="0">
+              <a:t>行  主  </a:t>
+            </a:r>
+            <a:r>
+              <a:rPr lang="zh-TW" altLang="en-US" sz="6400" b="1" dirty="0" smtClean="0">
                 <a:solidFill>
                   <a:srgbClr val="000066"/>
                 </a:solidFill>
                 <a:latin typeface="Microsoft JhengHei" panose="020B0604030504040204" pitchFamily="34" charset="-120"/>
                 <a:ea typeface="Microsoft JhengHei" panose="020B0604030504040204" pitchFamily="34" charset="-120"/>
               </a:rPr>
-              <a:t>意行</a:t>
+              <a:t>憑</a:t>
+            </a:r>
+            <a:r>
+              <a:rPr lang="zh-CN" altLang="en-US" sz="6400" b="1" dirty="0" smtClean="0">
+                <a:solidFill>
+                  <a:srgbClr val="000066"/>
+                </a:solidFill>
+                <a:latin typeface="Microsoft JhengHei" panose="020B0604030504040204" pitchFamily="34" charset="-120"/>
+                <a:ea typeface="Microsoft JhengHei" panose="020B0604030504040204" pitchFamily="34" charset="-120"/>
+              </a:rPr>
+              <a:t>祢</a:t>
+            </a:r>
+            <a:r>
+              <a:rPr lang="zh-TW" altLang="en-US" sz="6400" b="1" dirty="0" smtClean="0">
+                <a:solidFill>
+                  <a:srgbClr val="000066"/>
+                </a:solidFill>
+                <a:latin typeface="Microsoft JhengHei" panose="020B0604030504040204" pitchFamily="34" charset="-120"/>
+                <a:ea typeface="Microsoft JhengHei" panose="020B0604030504040204" pitchFamily="34" charset="-120"/>
+              </a:rPr>
+              <a:t>意</a:t>
+            </a:r>
+            <a:r>
+              <a:rPr lang="zh-TW" altLang="en-US" sz="6400" b="1" dirty="0">
+                <a:solidFill>
+                  <a:srgbClr val="000066"/>
+                </a:solidFill>
+                <a:latin typeface="Microsoft JhengHei" panose="020B0604030504040204" pitchFamily="34" charset="-120"/>
+                <a:ea typeface="Microsoft JhengHei" panose="020B0604030504040204" pitchFamily="34" charset="-120"/>
+              </a:rPr>
+              <a:t>行</a:t>
             </a:r>
             <a:endParaRPr lang="en-US" altLang="zh-TW" sz="6400" b="1" dirty="0">
               <a:solidFill>
@@ -7732,31 +7540,7 @@
                 <a:ea typeface="微軟正黑體" pitchFamily="34" charset="-120"/>
                 <a:cs typeface="Calibri" panose="020F0502020204030204" pitchFamily="34" charset="0"/>
               </a:rPr>
-              <a:t>Tôi nguyện theo ý Cha, </a:t>
-            </a:r>
-            <a:r>
-              <a:rPr lang="vi-VN" altLang="zh-TW" sz="4400" b="1" dirty="0">
-                <a:solidFill>
-                  <a:srgbClr val="660033"/>
-                </a:solidFill>
-                <a:effectLst/>
-                <a:latin typeface="Calibri" panose="020F0502020204030204" pitchFamily="34" charset="0"/>
-                <a:ea typeface="微軟正黑體" pitchFamily="34" charset="-120"/>
-                <a:cs typeface="Calibri" panose="020F0502020204030204" pitchFamily="34" charset="0"/>
-              </a:rPr>
-              <a:t>vâng </a:t>
-            </a:r>
-            <a:r>
-              <a:rPr lang="vi-VN" altLang="zh-TW" sz="4400" b="1" dirty="0">
-                <a:solidFill>
-                  <a:srgbClr val="660033"/>
-                </a:solidFill>
-                <a:effectLst/>
-                <a:latin typeface="Calibri" panose="020F0502020204030204" pitchFamily="34" charset="0"/>
-                <a:ea typeface="微軟正黑體" pitchFamily="34" charset="-120"/>
-                <a:cs typeface="Calibri" panose="020F0502020204030204" pitchFamily="34" charset="0"/>
-              </a:rPr>
-              <a:t>Ngài không thôi</a:t>
+              <a:t>Tôi nguyện theo ý Cha, vâng Ngài không thôi</a:t>
             </a:r>
             <a:endParaRPr lang="en-US" sz="4400" b="1" dirty="0">
               <a:solidFill>
@@ -7779,7 +7563,7 @@
         <p:spPr>
           <a:xfrm>
             <a:off x="0" y="5253203"/>
-            <a:ext cx="12192000" cy="748988"/>
+            <a:ext cx="12192000" cy="646331"/>
           </a:xfrm>
           <a:prstGeom prst="rect">
             <a:avLst/>
@@ -7794,19 +7578,33 @@
           <a:p>
             <a:pPr algn="ctr"/>
             <a:r>
-              <a:rPr lang="en-US" sz="4267" b="1" dirty="0">
+              <a:rPr lang="en-US" sz="3600" b="1" dirty="0">
                 <a:solidFill>
                   <a:srgbClr val="000066"/>
                 </a:solidFill>
-                <a:effectLst/>
-              </a:rPr>
-              <a:t>( 2 )</a:t>
-            </a:r>
-            <a:endParaRPr lang="vi-VN" sz="4267" b="1" dirty="0">
+              </a:rPr>
+              <a:t>( </a:t>
+            </a:r>
+            <a:r>
+              <a:rPr lang="en-US" sz="3600" b="1" dirty="0">
+                <a:solidFill>
+                  <a:srgbClr val="000066"/>
+                </a:solidFill>
+              </a:rPr>
+              <a:t>2 </a:t>
+            </a:r>
+            <a:r>
+              <a:rPr lang="en-US" sz="3600" b="1" dirty="0">
+                <a:solidFill>
+                  <a:srgbClr val="000066"/>
+                </a:solidFill>
+              </a:rPr>
+              <a:t>/ 4 )</a:t>
+            </a:r>
+            <a:endParaRPr lang="vi-VN" sz="3600" b="1" dirty="0">
               <a:solidFill>
                 <a:srgbClr val="000066"/>
               </a:solidFill>
-              <a:effectLst/>
             </a:endParaRPr>
           </a:p>
         </p:txBody>
@@ -8058,43 +7856,7 @@
                 <a:ea typeface="微軟正黑體" pitchFamily="34" charset="-120"/>
                 <a:cs typeface="Calibri" panose="020F0502020204030204" pitchFamily="34" charset="0"/>
               </a:rPr>
-              <a:t>Xin </a:t>
-            </a:r>
-            <a:r>
-              <a:rPr lang="vi-VN" altLang="zh-TW" sz="4400" b="1" dirty="0">
-                <a:solidFill>
-                  <a:srgbClr val="660033"/>
-                </a:solidFill>
-                <a:effectLst/>
-                <a:latin typeface="Calibri" panose="020F0502020204030204" pitchFamily="34" charset="0"/>
-                <a:ea typeface="微軟正黑體" pitchFamily="34" charset="-120"/>
-                <a:cs typeface="Calibri" panose="020F0502020204030204" pitchFamily="34" charset="0"/>
-              </a:rPr>
-              <a:t>Ngài tra xét tôi, </a:t>
-            </a:r>
-            <a:r>
-              <a:rPr lang="vi-VN" altLang="zh-TW" sz="4400" b="1" dirty="0">
-                <a:solidFill>
-                  <a:srgbClr val="660033"/>
-                </a:solidFill>
-                <a:effectLst/>
-                <a:latin typeface="Calibri" panose="020F0502020204030204" pitchFamily="34" charset="0"/>
-                <a:ea typeface="微軟正黑體" pitchFamily="34" charset="-120"/>
-                <a:cs typeface="Calibri" panose="020F0502020204030204" pitchFamily="34" charset="0"/>
-              </a:rPr>
-              <a:t>thử </a:t>
-            </a:r>
-            <a:r>
-              <a:rPr lang="vi-VN" altLang="zh-TW" sz="4400" b="1" dirty="0">
-                <a:solidFill>
-                  <a:srgbClr val="660033"/>
-                </a:solidFill>
-                <a:effectLst/>
-                <a:latin typeface="Calibri" panose="020F0502020204030204" pitchFamily="34" charset="0"/>
-                <a:ea typeface="微軟正黑體" pitchFamily="34" charset="-120"/>
-                <a:cs typeface="Calibri" panose="020F0502020204030204" pitchFamily="34" charset="0"/>
-              </a:rPr>
-              <a:t>tôi, luyện tôi</a:t>
+              <a:t>Xin Ngài tra xét tôi, thử tôi, luyện tôi</a:t>
             </a:r>
             <a:endParaRPr lang="en-US" sz="4400" b="1" dirty="0">
               <a:solidFill>
@@ -8117,7 +7879,7 @@
         <p:spPr>
           <a:xfrm>
             <a:off x="0" y="5253203"/>
-            <a:ext cx="12192000" cy="748988"/>
+            <a:ext cx="12192000" cy="646331"/>
           </a:xfrm>
           <a:prstGeom prst="rect">
             <a:avLst/>
@@ -8132,19 +7894,17 @@
           <a:p>
             <a:pPr algn="ctr"/>
             <a:r>
-              <a:rPr lang="en-US" sz="4267" b="1" dirty="0">
+              <a:rPr lang="en-US" sz="3600" b="1" dirty="0">
                 <a:solidFill>
                   <a:srgbClr val="000066"/>
                 </a:solidFill>
-                <a:effectLst/>
-              </a:rPr>
-              <a:t>( 2 )</a:t>
-            </a:r>
-            <a:endParaRPr lang="vi-VN" sz="4267" b="1" dirty="0">
+              </a:rPr>
+              <a:t>( 2 / 4 )</a:t>
+            </a:r>
+            <a:endParaRPr lang="vi-VN" sz="3600" b="1" dirty="0">
               <a:solidFill>
                 <a:srgbClr val="000066"/>
               </a:solidFill>
-              <a:effectLst/>
             </a:endParaRPr>
           </a:p>
         </p:txBody>
@@ -8396,31 +8156,7 @@
                 <a:ea typeface="微軟正黑體" pitchFamily="34" charset="-120"/>
                 <a:cs typeface="Calibri" panose="020F0502020204030204" pitchFamily="34" charset="0"/>
               </a:rPr>
-              <a:t>Tâm nầy xin tẩy thanh, </a:t>
-            </a:r>
-            <a:r>
-              <a:rPr lang="vi-VN" altLang="zh-TW" sz="4400" b="1" dirty="0">
-                <a:solidFill>
-                  <a:srgbClr val="660033"/>
-                </a:solidFill>
-                <a:effectLst/>
-                <a:latin typeface="Calibri" panose="020F0502020204030204" pitchFamily="34" charset="0"/>
-                <a:ea typeface="微軟正黑體" pitchFamily="34" charset="-120"/>
-                <a:cs typeface="Calibri" panose="020F0502020204030204" pitchFamily="34" charset="0"/>
-              </a:rPr>
-              <a:t>thanh </a:t>
-            </a:r>
-            <a:r>
-              <a:rPr lang="vi-VN" altLang="zh-TW" sz="4400" b="1" dirty="0">
-                <a:solidFill>
-                  <a:srgbClr val="660033"/>
-                </a:solidFill>
-                <a:effectLst/>
-                <a:latin typeface="Calibri" panose="020F0502020204030204" pitchFamily="34" charset="0"/>
-                <a:ea typeface="微軟正黑體" pitchFamily="34" charset="-120"/>
-                <a:cs typeface="Calibri" panose="020F0502020204030204" pitchFamily="34" charset="0"/>
-              </a:rPr>
-              <a:t>bạch hơn tuyết</a:t>
+              <a:t>Tâm nầy xin tẩy thanh, thanh bạch hơn tuyết</a:t>
             </a:r>
             <a:endParaRPr lang="en-US" sz="4400" b="1" dirty="0">
               <a:solidFill>
@@ -8443,7 +8179,7 @@
         <p:spPr>
           <a:xfrm>
             <a:off x="0" y="5253203"/>
-            <a:ext cx="12192000" cy="748988"/>
+            <a:ext cx="12192000" cy="646331"/>
           </a:xfrm>
           <a:prstGeom prst="rect">
             <a:avLst/>
@@ -8458,19 +8194,17 @@
           <a:p>
             <a:pPr algn="ctr"/>
             <a:r>
-              <a:rPr lang="en-US" sz="4267" b="1" dirty="0">
+              <a:rPr lang="en-US" sz="3600" b="1" dirty="0">
                 <a:solidFill>
                   <a:srgbClr val="000066"/>
                 </a:solidFill>
-                <a:effectLst/>
-              </a:rPr>
-              <a:t>( 2 )</a:t>
-            </a:r>
-            <a:endParaRPr lang="vi-VN" sz="4267" b="1" dirty="0">
+              </a:rPr>
+              <a:t>( 2 / 4 )</a:t>
+            </a:r>
+            <a:endParaRPr lang="vi-VN" sz="3600" b="1" dirty="0">
               <a:solidFill>
                 <a:srgbClr val="000066"/>
               </a:solidFill>
-              <a:effectLst/>
             </a:endParaRPr>
           </a:p>
         </p:txBody>
@@ -8540,13 +8274,6 @@
               </a:rPr>
               <a:t>我謙卑跪下  在主足前</a:t>
             </a:r>
-            <a:endParaRPr lang="zh-TW" altLang="en-US" sz="6400" b="1" dirty="0">
-              <a:solidFill>
-                <a:srgbClr val="000066"/>
-              </a:solidFill>
-              <a:latin typeface="Microsoft JhengHei" panose="020B0604030504040204" pitchFamily="34" charset="-120"/>
-              <a:ea typeface="Microsoft JhengHei" panose="020B0604030504040204" pitchFamily="34" charset="-120"/>
-            </a:endParaRPr>
           </a:p>
         </p:txBody>
       </p:sp>
@@ -8746,31 +8473,7 @@
                 <a:ea typeface="微軟正黑體" pitchFamily="34" charset="-120"/>
                 <a:cs typeface="Calibri" panose="020F0502020204030204" pitchFamily="34" charset="0"/>
               </a:rPr>
-              <a:t>n Ngài, </a:t>
-            </a:r>
-            <a:r>
-              <a:rPr lang="vi-VN" altLang="zh-TW" sz="4400" b="1" dirty="0">
-                <a:solidFill>
-                  <a:srgbClr val="660033"/>
-                </a:solidFill>
-                <a:effectLst/>
-                <a:latin typeface="Calibri" panose="020F0502020204030204" pitchFamily="34" charset="0"/>
-                <a:ea typeface="微軟正黑體" pitchFamily="34" charset="-120"/>
-                <a:cs typeface="Calibri" panose="020F0502020204030204" pitchFamily="34" charset="0"/>
-              </a:rPr>
-              <a:t>khiêm </a:t>
-            </a:r>
-            <a:r>
-              <a:rPr lang="vi-VN" altLang="zh-TW" sz="4400" b="1" dirty="0">
-                <a:solidFill>
-                  <a:srgbClr val="660033"/>
-                </a:solidFill>
-                <a:effectLst/>
-                <a:latin typeface="Calibri" panose="020F0502020204030204" pitchFamily="34" charset="0"/>
-                <a:ea typeface="微軟正黑體" pitchFamily="34" charset="-120"/>
-                <a:cs typeface="Calibri" panose="020F0502020204030204" pitchFamily="34" charset="0"/>
-              </a:rPr>
-              <a:t>nhường chân thiệt</a:t>
+              <a:t>n Ngài, khiêm nhường chân thiệt</a:t>
             </a:r>
             <a:endParaRPr lang="en-US" sz="4400" b="1" dirty="0">
               <a:solidFill>
@@ -8793,7 +8496,7 @@
         <p:spPr>
           <a:xfrm>
             <a:off x="0" y="5253203"/>
-            <a:ext cx="12192000" cy="748988"/>
+            <a:ext cx="12192000" cy="646331"/>
           </a:xfrm>
           <a:prstGeom prst="rect">
             <a:avLst/>
@@ -8808,19 +8511,17 @@
           <a:p>
             <a:pPr algn="ctr"/>
             <a:r>
-              <a:rPr lang="en-US" sz="4267" b="1" dirty="0">
+              <a:rPr lang="en-US" sz="3600" b="1" dirty="0">
                 <a:solidFill>
                   <a:srgbClr val="000066"/>
                 </a:solidFill>
-                <a:effectLst/>
-              </a:rPr>
-              <a:t>( 2 )</a:t>
-            </a:r>
-            <a:endParaRPr lang="vi-VN" sz="4267" b="1" dirty="0">
+              </a:rPr>
+              <a:t>( 2 / 4 )</a:t>
+            </a:r>
+            <a:endParaRPr lang="vi-VN" sz="3600" b="1" dirty="0">
               <a:solidFill>
                 <a:srgbClr val="000066"/>
               </a:solidFill>
-              <a:effectLst/>
             </a:endParaRPr>
           </a:p>
         </p:txBody>
